--- a/guidelines.pptx
+++ b/guidelines.pptx
@@ -8,17 +8,20 @@
     <p:sldId id="256" r:id="rId2"/>
     <p:sldId id="257" r:id="rId3"/>
     <p:sldId id="258" r:id="rId4"/>
-    <p:sldId id="268" r:id="rId5"/>
-    <p:sldId id="267" r:id="rId6"/>
-    <p:sldId id="269" r:id="rId7"/>
-    <p:sldId id="270" r:id="rId8"/>
-    <p:sldId id="259" r:id="rId9"/>
-    <p:sldId id="260" r:id="rId10"/>
-    <p:sldId id="261" r:id="rId11"/>
-    <p:sldId id="262" r:id="rId12"/>
-    <p:sldId id="263" r:id="rId13"/>
-    <p:sldId id="264" r:id="rId14"/>
-    <p:sldId id="265" r:id="rId15"/>
+    <p:sldId id="272" r:id="rId5"/>
+    <p:sldId id="268" r:id="rId6"/>
+    <p:sldId id="267" r:id="rId7"/>
+    <p:sldId id="269" r:id="rId8"/>
+    <p:sldId id="270" r:id="rId9"/>
+    <p:sldId id="273" r:id="rId10"/>
+    <p:sldId id="271" r:id="rId11"/>
+    <p:sldId id="259" r:id="rId12"/>
+    <p:sldId id="260" r:id="rId13"/>
+    <p:sldId id="261" r:id="rId14"/>
+    <p:sldId id="262" r:id="rId15"/>
+    <p:sldId id="263" r:id="rId16"/>
+    <p:sldId id="264" r:id="rId17"/>
+    <p:sldId id="265" r:id="rId18"/>
   </p:sldIdLst>
   <p:sldSz cx="12192000" cy="6858000"/>
   <p:notesSz cx="6858000" cy="9144000"/>
@@ -117,6 +120,11 @@
       </a:defRPr>
     </a:lvl9pPr>
   </p:defaultTextStyle>
+  <p:extLst>
+    <p:ext uri="{EFAFB233-063F-42B5-8137-9DF3F51BA10A}">
+      <p15:sldGuideLst xmlns:p15="http://schemas.microsoft.com/office/powerpoint/2012/main"/>
+    </p:ext>
+  </p:extLst>
 </p:presentation>
 </file>
 
@@ -267,7 +275,7 @@
           <a:p>
             <a:fld id="{900602F3-80E0-4C2D-AD48-BBC942DF097B}" type="datetimeFigureOut">
               <a:rPr lang="en-US" smtClean="0"/>
-              <a:t>2/17/2020</a:t>
+              <a:t>2/18/2020</a:t>
             </a:fld>
             <a:endParaRPr lang="en-US" dirty="0"/>
           </a:p>
@@ -465,7 +473,7 @@
           <a:p>
             <a:fld id="{900602F3-80E0-4C2D-AD48-BBC942DF097B}" type="datetimeFigureOut">
               <a:rPr lang="en-US" smtClean="0"/>
-              <a:t>2/17/2020</a:t>
+              <a:t>2/18/2020</a:t>
             </a:fld>
             <a:endParaRPr lang="en-US" dirty="0"/>
           </a:p>
@@ -673,7 +681,7 @@
           <a:p>
             <a:fld id="{900602F3-80E0-4C2D-AD48-BBC942DF097B}" type="datetimeFigureOut">
               <a:rPr lang="en-US" smtClean="0"/>
-              <a:t>2/17/2020</a:t>
+              <a:t>2/18/2020</a:t>
             </a:fld>
             <a:endParaRPr lang="en-US" dirty="0"/>
           </a:p>
@@ -871,7 +879,7 @@
           <a:p>
             <a:fld id="{900602F3-80E0-4C2D-AD48-BBC942DF097B}" type="datetimeFigureOut">
               <a:rPr lang="en-US" smtClean="0"/>
-              <a:t>2/17/2020</a:t>
+              <a:t>2/18/2020</a:t>
             </a:fld>
             <a:endParaRPr lang="en-US" dirty="0"/>
           </a:p>
@@ -1146,7 +1154,7 @@
           <a:p>
             <a:fld id="{900602F3-80E0-4C2D-AD48-BBC942DF097B}" type="datetimeFigureOut">
               <a:rPr lang="en-US" smtClean="0"/>
-              <a:t>2/17/2020</a:t>
+              <a:t>2/18/2020</a:t>
             </a:fld>
             <a:endParaRPr lang="en-US" dirty="0"/>
           </a:p>
@@ -1411,7 +1419,7 @@
           <a:p>
             <a:fld id="{900602F3-80E0-4C2D-AD48-BBC942DF097B}" type="datetimeFigureOut">
               <a:rPr lang="en-US" smtClean="0"/>
-              <a:t>2/17/2020</a:t>
+              <a:t>2/18/2020</a:t>
             </a:fld>
             <a:endParaRPr lang="en-US" dirty="0"/>
           </a:p>
@@ -1823,7 +1831,7 @@
           <a:p>
             <a:fld id="{900602F3-80E0-4C2D-AD48-BBC942DF097B}" type="datetimeFigureOut">
               <a:rPr lang="en-US" smtClean="0"/>
-              <a:t>2/17/2020</a:t>
+              <a:t>2/18/2020</a:t>
             </a:fld>
             <a:endParaRPr lang="en-US" dirty="0"/>
           </a:p>
@@ -1964,7 +1972,7 @@
           <a:p>
             <a:fld id="{900602F3-80E0-4C2D-AD48-BBC942DF097B}" type="datetimeFigureOut">
               <a:rPr lang="en-US" smtClean="0"/>
-              <a:t>2/17/2020</a:t>
+              <a:t>2/18/2020</a:t>
             </a:fld>
             <a:endParaRPr lang="en-US" dirty="0"/>
           </a:p>
@@ -2077,7 +2085,7 @@
           <a:p>
             <a:fld id="{900602F3-80E0-4C2D-AD48-BBC942DF097B}" type="datetimeFigureOut">
               <a:rPr lang="en-US" smtClean="0"/>
-              <a:t>2/17/2020</a:t>
+              <a:t>2/18/2020</a:t>
             </a:fld>
             <a:endParaRPr lang="en-US" dirty="0"/>
           </a:p>
@@ -2388,7 +2396,7 @@
           <a:p>
             <a:fld id="{900602F3-80E0-4C2D-AD48-BBC942DF097B}" type="datetimeFigureOut">
               <a:rPr lang="en-US" smtClean="0"/>
-              <a:t>2/17/2020</a:t>
+              <a:t>2/18/2020</a:t>
             </a:fld>
             <a:endParaRPr lang="en-US" dirty="0"/>
           </a:p>
@@ -2676,7 +2684,7 @@
           <a:p>
             <a:fld id="{900602F3-80E0-4C2D-AD48-BBC942DF097B}" type="datetimeFigureOut">
               <a:rPr lang="en-US" smtClean="0"/>
-              <a:t>2/17/2020</a:t>
+              <a:t>2/18/2020</a:t>
             </a:fld>
             <a:endParaRPr lang="en-US" dirty="0"/>
           </a:p>
@@ -2917,7 +2925,7 @@
           <a:p>
             <a:fld id="{900602F3-80E0-4C2D-AD48-BBC942DF097B}" type="datetimeFigureOut">
               <a:rPr lang="en-US" smtClean="0"/>
-              <a:t>2/17/2020</a:t>
+              <a:t>2/18/2020</a:t>
             </a:fld>
             <a:endParaRPr lang="en-US" dirty="0"/>
           </a:p>
@@ -3442,6 +3450,441 @@
           <p:cNvPr id="2" name="Title 1">
             <a:extLst>
               <a:ext uri="{FF2B5EF4-FFF2-40B4-BE49-F238E27FC236}">
+                <a16:creationId xmlns:a16="http://schemas.microsoft.com/office/drawing/2014/main" id="{6BC9E917-A215-405E-A7D3-9578B14F761F}"/>
+              </a:ext>
+            </a:extLst>
+          </p:cNvPr>
+          <p:cNvSpPr>
+            <a:spLocks noGrp="1"/>
+          </p:cNvSpPr>
+          <p:nvPr>
+            <p:ph type="title"/>
+          </p:nvPr>
+        </p:nvSpPr>
+        <p:spPr/>
+        <p:txBody>
+          <a:bodyPr/>
+          <a:lstStyle/>
+          <a:p>
+            <a:r>
+              <a:rPr lang="en-US" dirty="0"/>
+              <a:t>Today’s Class</a:t>
+            </a:r>
+          </a:p>
+        </p:txBody>
+      </p:sp>
+      <p:pic>
+        <p:nvPicPr>
+          <p:cNvPr id="8194" name="Picture 2" descr="High Quality angry chihuahua happy chihuahua Blank Meme Template">
+            <a:extLst>
+              <a:ext uri="{FF2B5EF4-FFF2-40B4-BE49-F238E27FC236}">
+                <a16:creationId xmlns:a16="http://schemas.microsoft.com/office/drawing/2014/main" id="{5F330017-D177-4372-9B28-DA5FEE50B424}"/>
+              </a:ext>
+            </a:extLst>
+          </p:cNvPr>
+          <p:cNvPicPr>
+            <a:picLocks noGrp="1" noChangeAspect="1" noChangeArrowheads="1"/>
+          </p:cNvPicPr>
+          <p:nvPr>
+            <p:ph idx="1"/>
+          </p:nvPr>
+        </p:nvPicPr>
+        <p:blipFill rotWithShape="1">
+          <a:blip r:embed="rId2">
+            <a:extLst>
+              <a:ext uri="{28A0092B-C50C-407E-A947-70E740481C1C}">
+                <a14:useLocalDpi xmlns:a14="http://schemas.microsoft.com/office/drawing/2010/main" val="0"/>
+              </a:ext>
+            </a:extLst>
+          </a:blip>
+          <a:srcRect l="49618" t="32506" b="-398"/>
+          <a:stretch/>
+        </p:blipFill>
+        <p:spPr bwMode="auto">
+          <a:xfrm>
+            <a:off x="4896249" y="2595364"/>
+            <a:ext cx="2399501" cy="2800088"/>
+          </a:xfrm>
+          <a:prstGeom prst="rect">
+            <a:avLst/>
+          </a:prstGeom>
+          <a:noFill/>
+          <a:extLst>
+            <a:ext uri="{909E8E84-426E-40DD-AFC4-6F175D3DCCD1}">
+              <a14:hiddenFill xmlns:a14="http://schemas.microsoft.com/office/drawing/2010/main">
+                <a:solidFill>
+                  <a:srgbClr val="FFFFFF"/>
+                </a:solidFill>
+              </a14:hiddenFill>
+            </a:ext>
+          </a:extLst>
+        </p:spPr>
+      </p:pic>
+    </p:spTree>
+    <p:extLst>
+      <p:ext uri="{BB962C8B-B14F-4D97-AF65-F5344CB8AC3E}">
+        <p14:creationId xmlns:p14="http://schemas.microsoft.com/office/powerpoint/2010/main" val="1683768194"/>
+      </p:ext>
+    </p:extLst>
+  </p:cSld>
+  <p:clrMapOvr>
+    <a:masterClrMapping/>
+  </p:clrMapOvr>
+</p:sld>
+</file>
+
+<file path=ppt/slides/slide11.xml><?xml version="1.0" encoding="utf-8"?>
+<p:sld xmlns:a="http://schemas.openxmlformats.org/drawingml/2006/main" xmlns:r="http://schemas.openxmlformats.org/officeDocument/2006/relationships" xmlns:p="http://schemas.openxmlformats.org/presentationml/2006/main">
+  <p:cSld>
+    <p:spTree>
+      <p:nvGrpSpPr>
+        <p:cNvPr id="1" name=""/>
+        <p:cNvGrpSpPr/>
+        <p:nvPr/>
+      </p:nvGrpSpPr>
+      <p:grpSpPr>
+        <a:xfrm>
+          <a:off x="0" y="0"/>
+          <a:ext cx="0" cy="0"/>
+          <a:chOff x="0" y="0"/>
+          <a:chExt cx="0" cy="0"/>
+        </a:xfrm>
+      </p:grpSpPr>
+      <p:sp>
+        <p:nvSpPr>
+          <p:cNvPr id="2" name="Title 1">
+            <a:extLst>
+              <a:ext uri="{FF2B5EF4-FFF2-40B4-BE49-F238E27FC236}">
+                <a16:creationId xmlns:a16="http://schemas.microsoft.com/office/drawing/2014/main" id="{C5BDD094-792E-46CB-927D-7F2B4364C383}"/>
+              </a:ext>
+            </a:extLst>
+          </p:cNvPr>
+          <p:cNvSpPr>
+            <a:spLocks noGrp="1"/>
+          </p:cNvSpPr>
+          <p:nvPr>
+            <p:ph type="title"/>
+          </p:nvPr>
+        </p:nvSpPr>
+        <p:spPr/>
+        <p:txBody>
+          <a:bodyPr/>
+          <a:lstStyle/>
+          <a:p>
+            <a:r>
+              <a:rPr lang="en-US" dirty="0"/>
+              <a:t>Command Line thing</a:t>
+            </a:r>
+          </a:p>
+        </p:txBody>
+      </p:sp>
+      <p:sp>
+        <p:nvSpPr>
+          <p:cNvPr id="3" name="Content Placeholder 2">
+            <a:extLst>
+              <a:ext uri="{FF2B5EF4-FFF2-40B4-BE49-F238E27FC236}">
+                <a16:creationId xmlns:a16="http://schemas.microsoft.com/office/drawing/2014/main" id="{D609C661-BAE3-4377-B0B9-497994C8F83F}"/>
+              </a:ext>
+            </a:extLst>
+          </p:cNvPr>
+          <p:cNvSpPr>
+            <a:spLocks noGrp="1"/>
+          </p:cNvSpPr>
+          <p:nvPr>
+            <p:ph idx="1"/>
+          </p:nvPr>
+        </p:nvSpPr>
+        <p:spPr/>
+        <p:txBody>
+          <a:bodyPr/>
+          <a:lstStyle/>
+          <a:p>
+            <a:r>
+              <a:rPr lang="en-US" dirty="0"/>
+              <a:t>You need to be proficient on using the command line to pass this course;</a:t>
+            </a:r>
+          </a:p>
+          <a:p>
+            <a:endParaRPr lang="en-US" dirty="0"/>
+          </a:p>
+          <a:p>
+            <a:r>
+              <a:rPr lang="en-US" dirty="0"/>
+              <a:t>Assignments and Exams MUST run on command line to be considered;</a:t>
+            </a:r>
+          </a:p>
+          <a:p>
+            <a:endParaRPr lang="en-US" dirty="0"/>
+          </a:p>
+          <a:p>
+            <a:r>
+              <a:rPr lang="en-US" dirty="0"/>
+              <a:t>Command line is cool and I’ll show you why…</a:t>
+            </a:r>
+          </a:p>
+          <a:p>
+            <a:endParaRPr lang="en-US" dirty="0"/>
+          </a:p>
+          <a:p>
+            <a:endParaRPr lang="en-US" dirty="0"/>
+          </a:p>
+          <a:p>
+            <a:pPr marL="0" indent="0">
+              <a:buNone/>
+            </a:pPr>
+            <a:endParaRPr lang="en-US" dirty="0"/>
+          </a:p>
+          <a:p>
+            <a:endParaRPr lang="en-US" dirty="0"/>
+          </a:p>
+          <a:p>
+            <a:endParaRPr lang="en-US" dirty="0"/>
+          </a:p>
+        </p:txBody>
+      </p:sp>
+      <p:pic>
+        <p:nvPicPr>
+          <p:cNvPr id="3076" name="Picture 4" descr="Resultado de imagem para command line icon">
+            <a:extLst>
+              <a:ext uri="{FF2B5EF4-FFF2-40B4-BE49-F238E27FC236}">
+                <a16:creationId xmlns:a16="http://schemas.microsoft.com/office/drawing/2014/main" id="{49A2C531-62FE-4468-BA37-8EA4F7A9C3D9}"/>
+              </a:ext>
+            </a:extLst>
+          </p:cNvPr>
+          <p:cNvPicPr>
+            <a:picLocks noChangeAspect="1" noChangeArrowheads="1"/>
+          </p:cNvPicPr>
+          <p:nvPr/>
+        </p:nvPicPr>
+        <p:blipFill>
+          <a:blip r:embed="rId2">
+            <a:extLst>
+              <a:ext uri="{28A0092B-C50C-407E-A947-70E740481C1C}">
+                <a14:useLocalDpi xmlns:a14="http://schemas.microsoft.com/office/drawing/2010/main" val="0"/>
+              </a:ext>
+            </a:extLst>
+          </a:blip>
+          <a:srcRect/>
+          <a:stretch>
+            <a:fillRect/>
+          </a:stretch>
+        </p:blipFill>
+        <p:spPr bwMode="auto">
+          <a:xfrm>
+            <a:off x="9730587" y="4400166"/>
+            <a:ext cx="1960232" cy="1960232"/>
+          </a:xfrm>
+          <a:prstGeom prst="rect">
+            <a:avLst/>
+          </a:prstGeom>
+          <a:noFill/>
+          <a:extLst>
+            <a:ext uri="{909E8E84-426E-40DD-AFC4-6F175D3DCCD1}">
+              <a14:hiddenFill xmlns:a14="http://schemas.microsoft.com/office/drawing/2010/main">
+                <a:solidFill>
+                  <a:srgbClr val="FFFFFF"/>
+                </a:solidFill>
+              </a14:hiddenFill>
+            </a:ext>
+          </a:extLst>
+        </p:spPr>
+      </p:pic>
+    </p:spTree>
+    <p:extLst>
+      <p:ext uri="{BB962C8B-B14F-4D97-AF65-F5344CB8AC3E}">
+        <p14:creationId xmlns:p14="http://schemas.microsoft.com/office/powerpoint/2010/main" val="1798854207"/>
+      </p:ext>
+    </p:extLst>
+  </p:cSld>
+  <p:clrMapOvr>
+    <a:masterClrMapping/>
+  </p:clrMapOvr>
+</p:sld>
+</file>
+
+<file path=ppt/slides/slide12.xml><?xml version="1.0" encoding="utf-8"?>
+<p:sld xmlns:a="http://schemas.openxmlformats.org/drawingml/2006/main" xmlns:r="http://schemas.openxmlformats.org/officeDocument/2006/relationships" xmlns:p="http://schemas.openxmlformats.org/presentationml/2006/main">
+  <p:cSld>
+    <p:spTree>
+      <p:nvGrpSpPr>
+        <p:cNvPr id="1" name=""/>
+        <p:cNvGrpSpPr/>
+        <p:nvPr/>
+      </p:nvGrpSpPr>
+      <p:grpSpPr>
+        <a:xfrm>
+          <a:off x="0" y="0"/>
+          <a:ext cx="0" cy="0"/>
+          <a:chOff x="0" y="0"/>
+          <a:chExt cx="0" cy="0"/>
+        </a:xfrm>
+      </p:grpSpPr>
+      <p:sp>
+        <p:nvSpPr>
+          <p:cNvPr id="2" name="Title 1">
+            <a:extLst>
+              <a:ext uri="{FF2B5EF4-FFF2-40B4-BE49-F238E27FC236}">
+                <a16:creationId xmlns:a16="http://schemas.microsoft.com/office/drawing/2014/main" id="{D83D853B-1AB5-45EC-9B2F-2661E0519736}"/>
+              </a:ext>
+            </a:extLst>
+          </p:cNvPr>
+          <p:cNvSpPr>
+            <a:spLocks noGrp="1"/>
+          </p:cNvSpPr>
+          <p:nvPr>
+            <p:ph type="title"/>
+          </p:nvPr>
+        </p:nvSpPr>
+        <p:spPr/>
+        <p:txBody>
+          <a:bodyPr/>
+          <a:lstStyle/>
+          <a:p>
+            <a:r>
+              <a:rPr lang="en-US" dirty="0"/>
+              <a:t>Why Command Line?</a:t>
+            </a:r>
+          </a:p>
+        </p:txBody>
+      </p:sp>
+      <p:sp>
+        <p:nvSpPr>
+          <p:cNvPr id="3" name="Content Placeholder 2">
+            <a:extLst>
+              <a:ext uri="{FF2B5EF4-FFF2-40B4-BE49-F238E27FC236}">
+                <a16:creationId xmlns:a16="http://schemas.microsoft.com/office/drawing/2014/main" id="{DFF08D62-DCE3-4463-8675-AEE23E8C0355}"/>
+              </a:ext>
+            </a:extLst>
+          </p:cNvPr>
+          <p:cNvSpPr>
+            <a:spLocks noGrp="1"/>
+          </p:cNvSpPr>
+          <p:nvPr>
+            <p:ph idx="1"/>
+          </p:nvPr>
+        </p:nvSpPr>
+        <p:spPr/>
+        <p:txBody>
+          <a:bodyPr/>
+          <a:lstStyle/>
+          <a:p>
+            <a:r>
+              <a:rPr lang="en-US" dirty="0"/>
+              <a:t>Google Cloud Platform Interaction</a:t>
+            </a:r>
+          </a:p>
+        </p:txBody>
+      </p:sp>
+      <p:pic>
+        <p:nvPicPr>
+          <p:cNvPr id="4" name="Picture 3">
+            <a:extLst>
+              <a:ext uri="{FF2B5EF4-FFF2-40B4-BE49-F238E27FC236}">
+                <a16:creationId xmlns:a16="http://schemas.microsoft.com/office/drawing/2014/main" id="{CA1E6FAD-F34A-4187-BE58-404B91B0D40C}"/>
+              </a:ext>
+            </a:extLst>
+          </p:cNvPr>
+          <p:cNvPicPr>
+            <a:picLocks noChangeAspect="1"/>
+          </p:cNvPicPr>
+          <p:nvPr/>
+        </p:nvPicPr>
+        <p:blipFill rotWithShape="1">
+          <a:blip r:embed="rId2"/>
+          <a:srcRect b="35058"/>
+          <a:stretch/>
+        </p:blipFill>
+        <p:spPr>
+          <a:xfrm>
+            <a:off x="2452572" y="2595797"/>
+            <a:ext cx="7286855" cy="2977869"/>
+          </a:xfrm>
+          <a:prstGeom prst="rect">
+            <a:avLst/>
+          </a:prstGeom>
+        </p:spPr>
+      </p:pic>
+      <p:sp>
+        <p:nvSpPr>
+          <p:cNvPr id="5" name="Oval 4">
+            <a:extLst>
+              <a:ext uri="{FF2B5EF4-FFF2-40B4-BE49-F238E27FC236}">
+                <a16:creationId xmlns:a16="http://schemas.microsoft.com/office/drawing/2014/main" id="{A791DEEC-F0C9-4CED-BB11-3F32DED67105}"/>
+              </a:ext>
+            </a:extLst>
+          </p:cNvPr>
+          <p:cNvSpPr/>
+          <p:nvPr/>
+        </p:nvSpPr>
+        <p:spPr>
+          <a:xfrm>
+            <a:off x="8284652" y="2324155"/>
+            <a:ext cx="714386" cy="820452"/>
+          </a:xfrm>
+          <a:prstGeom prst="ellipse">
+            <a:avLst/>
+          </a:prstGeom>
+          <a:noFill/>
+          <a:ln w="76200"/>
+        </p:spPr>
+        <p:style>
+          <a:lnRef idx="2">
+            <a:schemeClr val="dk1"/>
+          </a:lnRef>
+          <a:fillRef idx="1">
+            <a:schemeClr val="lt1"/>
+          </a:fillRef>
+          <a:effectRef idx="0">
+            <a:schemeClr val="dk1"/>
+          </a:effectRef>
+          <a:fontRef idx="minor">
+            <a:schemeClr val="dk1"/>
+          </a:fontRef>
+        </p:style>
+        <p:txBody>
+          <a:bodyPr rtlCol="0" anchor="ctr"/>
+          <a:lstStyle/>
+          <a:p>
+            <a:pPr algn="ctr"/>
+            <a:endParaRPr lang="en-US" dirty="0"/>
+          </a:p>
+        </p:txBody>
+      </p:sp>
+    </p:spTree>
+    <p:extLst>
+      <p:ext uri="{BB962C8B-B14F-4D97-AF65-F5344CB8AC3E}">
+        <p14:creationId xmlns:p14="http://schemas.microsoft.com/office/powerpoint/2010/main" val="2273067162"/>
+      </p:ext>
+    </p:extLst>
+  </p:cSld>
+  <p:clrMapOvr>
+    <a:masterClrMapping/>
+  </p:clrMapOvr>
+</p:sld>
+</file>
+
+<file path=ppt/slides/slide13.xml><?xml version="1.0" encoding="utf-8"?>
+<p:sld xmlns:a="http://schemas.openxmlformats.org/drawingml/2006/main" xmlns:r="http://schemas.openxmlformats.org/officeDocument/2006/relationships" xmlns:p="http://schemas.openxmlformats.org/presentationml/2006/main">
+  <p:cSld>
+    <p:spTree>
+      <p:nvGrpSpPr>
+        <p:cNvPr id="1" name=""/>
+        <p:cNvGrpSpPr/>
+        <p:nvPr/>
+      </p:nvGrpSpPr>
+      <p:grpSpPr>
+        <a:xfrm>
+          <a:off x="0" y="0"/>
+          <a:ext cx="0" cy="0"/>
+          <a:chOff x="0" y="0"/>
+          <a:chExt cx="0" cy="0"/>
+        </a:xfrm>
+      </p:grpSpPr>
+      <p:sp>
+        <p:nvSpPr>
+          <p:cNvPr id="2" name="Title 1">
+            <a:extLst>
+              <a:ext uri="{FF2B5EF4-FFF2-40B4-BE49-F238E27FC236}">
                 <a16:creationId xmlns:a16="http://schemas.microsoft.com/office/drawing/2014/main" id="{CACEB1B2-356D-4DCA-97C2-D3C547EAB759}"/>
               </a:ext>
             </a:extLst>
@@ -3536,7 +3979,7 @@
 </p:sld>
 </file>
 
-<file path=ppt/slides/slide11.xml><?xml version="1.0" encoding="utf-8"?>
+<file path=ppt/slides/slide14.xml><?xml version="1.0" encoding="utf-8"?>
 <p:sld xmlns:a="http://schemas.openxmlformats.org/drawingml/2006/main" xmlns:r="http://schemas.openxmlformats.org/officeDocument/2006/relationships" xmlns:p="http://schemas.openxmlformats.org/presentationml/2006/main">
   <p:cSld>
     <p:spTree>
@@ -3652,7 +4095,7 @@
 </p:sld>
 </file>
 
-<file path=ppt/slides/slide12.xml><?xml version="1.0" encoding="utf-8"?>
+<file path=ppt/slides/slide15.xml><?xml version="1.0" encoding="utf-8"?>
 <p:sld xmlns:a="http://schemas.openxmlformats.org/drawingml/2006/main" xmlns:r="http://schemas.openxmlformats.org/officeDocument/2006/relationships" xmlns:p="http://schemas.openxmlformats.org/presentationml/2006/main">
   <p:cSld>
     <p:spTree>
@@ -3768,7 +4211,7 @@
 </p:sld>
 </file>
 
-<file path=ppt/slides/slide13.xml><?xml version="1.0" encoding="utf-8"?>
+<file path=ppt/slides/slide16.xml><?xml version="1.0" encoding="utf-8"?>
 <p:sld xmlns:a="http://schemas.openxmlformats.org/drawingml/2006/main" xmlns:r="http://schemas.openxmlformats.org/officeDocument/2006/relationships" xmlns:p="http://schemas.openxmlformats.org/presentationml/2006/main">
   <p:cSld>
     <p:spTree>
@@ -3836,7 +4279,7 @@
           <a:p>
             <a:r>
               <a:rPr lang="en-US" dirty="0"/>
-              <a:t>To make script for the noob colleague (and avoid being the noob colleague)</a:t>
+              <a:t>Make a script for the noob colleague (and avoid being the noob colleague)?</a:t>
             </a:r>
           </a:p>
         </p:txBody>
@@ -3884,7 +4327,7 @@
 </p:sld>
 </file>
 
-<file path=ppt/slides/slide14.xml><?xml version="1.0" encoding="utf-8"?>
+<file path=ppt/slides/slide17.xml><?xml version="1.0" encoding="utf-8"?>
 <p:sld xmlns:a="http://schemas.openxmlformats.org/drawingml/2006/main" xmlns:r="http://schemas.openxmlformats.org/officeDocument/2006/relationships" xmlns:p="http://schemas.openxmlformats.org/presentationml/2006/main">
   <p:cSld>
     <p:spTree>
@@ -4337,6 +4780,109 @@
           <p:cNvPr id="2" name="Title 1">
             <a:extLst>
               <a:ext uri="{FF2B5EF4-FFF2-40B4-BE49-F238E27FC236}">
+                <a16:creationId xmlns:a16="http://schemas.microsoft.com/office/drawing/2014/main" id="{0ABC76D6-0A36-4B7D-B910-792E770C41E9}"/>
+              </a:ext>
+            </a:extLst>
+          </p:cNvPr>
+          <p:cNvSpPr>
+            <a:spLocks noGrp="1"/>
+          </p:cNvSpPr>
+          <p:nvPr>
+            <p:ph type="title"/>
+          </p:nvPr>
+        </p:nvSpPr>
+        <p:spPr/>
+        <p:txBody>
+          <a:bodyPr/>
+          <a:lstStyle/>
+          <a:p>
+            <a:r>
+              <a:rPr lang="en-US" dirty="0"/>
+              <a:t>Course Rules</a:t>
+            </a:r>
+          </a:p>
+        </p:txBody>
+      </p:sp>
+      <p:pic>
+        <p:nvPicPr>
+          <p:cNvPr id="7170" name="Picture 2" descr="High Quality angry chihuahua happy chihuahua Blank Meme Template">
+            <a:extLst>
+              <a:ext uri="{FF2B5EF4-FFF2-40B4-BE49-F238E27FC236}">
+                <a16:creationId xmlns:a16="http://schemas.microsoft.com/office/drawing/2014/main" id="{CE6AB9F8-0D7A-4BE7-BCCA-AFE9AF962050}"/>
+              </a:ext>
+            </a:extLst>
+          </p:cNvPr>
+          <p:cNvPicPr>
+            <a:picLocks noChangeAspect="1" noChangeArrowheads="1"/>
+          </p:cNvPicPr>
+          <p:nvPr/>
+        </p:nvPicPr>
+        <p:blipFill rotWithShape="1">
+          <a:blip r:embed="rId2">
+            <a:extLst>
+              <a:ext uri="{28A0092B-C50C-407E-A947-70E740481C1C}">
+                <a14:useLocalDpi xmlns:a14="http://schemas.microsoft.com/office/drawing/2010/main" val="0"/>
+              </a:ext>
+            </a:extLst>
+          </a:blip>
+          <a:srcRect t="31769" r="51137"/>
+          <a:stretch/>
+        </p:blipFill>
+        <p:spPr bwMode="auto">
+          <a:xfrm>
+            <a:off x="4932451" y="2594269"/>
+            <a:ext cx="2327097" cy="2814050"/>
+          </a:xfrm>
+          <a:prstGeom prst="rect">
+            <a:avLst/>
+          </a:prstGeom>
+          <a:noFill/>
+          <a:extLst>
+            <a:ext uri="{909E8E84-426E-40DD-AFC4-6F175D3DCCD1}">
+              <a14:hiddenFill xmlns:a14="http://schemas.microsoft.com/office/drawing/2010/main">
+                <a:solidFill>
+                  <a:srgbClr val="FFFFFF"/>
+                </a:solidFill>
+              </a14:hiddenFill>
+            </a:ext>
+          </a:extLst>
+        </p:spPr>
+      </p:pic>
+    </p:spTree>
+    <p:extLst>
+      <p:ext uri="{BB962C8B-B14F-4D97-AF65-F5344CB8AC3E}">
+        <p14:creationId xmlns:p14="http://schemas.microsoft.com/office/powerpoint/2010/main" val="3213827878"/>
+      </p:ext>
+    </p:extLst>
+  </p:cSld>
+  <p:clrMapOvr>
+    <a:masterClrMapping/>
+  </p:clrMapOvr>
+</p:sld>
+</file>
+
+<file path=ppt/slides/slide5.xml><?xml version="1.0" encoding="utf-8"?>
+<p:sld xmlns:a="http://schemas.openxmlformats.org/drawingml/2006/main" xmlns:r="http://schemas.openxmlformats.org/officeDocument/2006/relationships" xmlns:p="http://schemas.openxmlformats.org/presentationml/2006/main">
+  <p:cSld>
+    <p:spTree>
+      <p:nvGrpSpPr>
+        <p:cNvPr id="1" name=""/>
+        <p:cNvGrpSpPr/>
+        <p:nvPr/>
+      </p:nvGrpSpPr>
+      <p:grpSpPr>
+        <a:xfrm>
+          <a:off x="0" y="0"/>
+          <a:ext cx="0" cy="0"/>
+          <a:chOff x="0" y="0"/>
+          <a:chExt cx="0" cy="0"/>
+        </a:xfrm>
+      </p:grpSpPr>
+      <p:sp>
+        <p:nvSpPr>
+          <p:cNvPr id="2" name="Title 1">
+            <a:extLst>
+              <a:ext uri="{FF2B5EF4-FFF2-40B4-BE49-F238E27FC236}">
                 <a16:creationId xmlns:a16="http://schemas.microsoft.com/office/drawing/2014/main" id="{AAF5C6E9-94C0-4E03-9246-73DCBFCC7902}"/>
               </a:ext>
             </a:extLst>
@@ -4518,7 +5064,7 @@
                   <a:srgbClr val="C00000"/>
                 </a:solidFill>
               </a:rPr>
-              <a:t>Stop me in a party to ask class things</a:t>
+              <a:t>Stop teachers in a party to ask class things</a:t>
             </a:r>
           </a:p>
         </p:txBody>
@@ -4618,7 +5164,7 @@
 </p:sld>
 </file>
 
-<file path=ppt/slides/slide5.xml><?xml version="1.0" encoding="utf-8"?>
+<file path=ppt/slides/slide6.xml><?xml version="1.0" encoding="utf-8"?>
 <p:sld xmlns:a="http://schemas.openxmlformats.org/drawingml/2006/main" xmlns:r="http://schemas.openxmlformats.org/officeDocument/2006/relationships" xmlns:p="http://schemas.openxmlformats.org/presentationml/2006/main">
   <p:cSld>
     <p:spTree>
@@ -4748,7 +5294,7 @@
 </p:sld>
 </file>
 
-<file path=ppt/slides/slide6.xml><?xml version="1.0" encoding="utf-8"?>
+<file path=ppt/slides/slide7.xml><?xml version="1.0" encoding="utf-8"?>
 <p:sld xmlns:a="http://schemas.openxmlformats.org/drawingml/2006/main" xmlns:r="http://schemas.openxmlformats.org/officeDocument/2006/relationships" xmlns:p="http://schemas.openxmlformats.org/presentationml/2006/main">
   <p:cSld>
     <p:spTree>
@@ -4891,7 +5437,7 @@
 </p:sld>
 </file>
 
-<file path=ppt/slides/slide7.xml><?xml version="1.0" encoding="utf-8"?>
+<file path=ppt/slides/slide8.xml><?xml version="1.0" encoding="utf-8"?>
 <p:sld xmlns:a="http://schemas.openxmlformats.org/drawingml/2006/main" xmlns:r="http://schemas.openxmlformats.org/officeDocument/2006/relationships" xmlns:p="http://schemas.openxmlformats.org/presentationml/2006/main">
   <p:cSld>
     <p:bg>
@@ -4969,7 +5515,7 @@
         </p:nvSpPr>
         <p:spPr>
           <a:xfrm>
-            <a:off x="648930" y="2438400"/>
+            <a:off x="639663" y="2443315"/>
             <a:ext cx="5127029" cy="3785419"/>
           </a:xfrm>
         </p:spPr>
@@ -4982,6 +5528,13 @@
             <a:r>
               <a:rPr lang="en-US" sz="2400" dirty="0"/>
               <a:t>3 Unjustified absences;</a:t>
+            </a:r>
+          </a:p>
+          <a:p>
+            <a:pPr lvl="1"/>
+            <a:r>
+              <a:rPr lang="en-US" sz="2000" dirty="0"/>
+              <a:t>Justified absences are fore recovering content;</a:t>
             </a:r>
           </a:p>
           <a:p>
@@ -5137,9 +5690,17 @@
 </p:sld>
 </file>
 
-<file path=ppt/slides/slide8.xml><?xml version="1.0" encoding="utf-8"?>
+<file path=ppt/slides/slide9.xml><?xml version="1.0" encoding="utf-8"?>
 <p:sld xmlns:a="http://schemas.openxmlformats.org/drawingml/2006/main" xmlns:r="http://schemas.openxmlformats.org/officeDocument/2006/relationships" xmlns:p="http://schemas.openxmlformats.org/presentationml/2006/main">
   <p:cSld>
+    <p:bg>
+      <p:bgPr>
+        <a:solidFill>
+          <a:schemeClr val="bg1"/>
+        </a:solidFill>
+        <a:effectLst/>
+      </p:bgPr>
+    </p:bg>
     <p:spTree>
       <p:nvGrpSpPr>
         <p:cNvPr id="1" name=""/>
@@ -5159,7 +5720,7 @@
           <p:cNvPr id="2" name="Title 1">
             <a:extLst>
               <a:ext uri="{FF2B5EF4-FFF2-40B4-BE49-F238E27FC236}">
-                <a16:creationId xmlns:a16="http://schemas.microsoft.com/office/drawing/2014/main" id="{C5BDD094-792E-46CB-927D-7F2B4364C383}"/>
+                <a16:creationId xmlns:a16="http://schemas.microsoft.com/office/drawing/2014/main" id="{3DB862BB-0F18-4EBB-9ED0-FA431E8ABB2F}"/>
               </a:ext>
             </a:extLst>
           </p:cNvPr>
@@ -5170,221 +5731,89 @@
             <p:ph type="title"/>
           </p:nvPr>
         </p:nvSpPr>
-        <p:spPr/>
-        <p:txBody>
-          <a:bodyPr/>
-          <a:lstStyle/>
-          <a:p>
+        <p:spPr>
+          <a:xfrm>
+            <a:off x="648929" y="629266"/>
+            <a:ext cx="5127031" cy="1676603"/>
+          </a:xfrm>
+        </p:spPr>
+        <p:txBody>
+          <a:bodyPr>
+            <a:normAutofit/>
+          </a:bodyPr>
+          <a:lstStyle/>
+          <a:p>
+            <a:r>
+              <a:rPr lang="en-US" b="1" dirty="0"/>
+              <a:t>NO QUESTION IS A STUPID QUESTION</a:t>
+            </a:r>
+          </a:p>
+        </p:txBody>
+      </p:sp>
+      <p:sp>
+        <p:nvSpPr>
+          <p:cNvPr id="3" name="Content Placeholder 2">
+            <a:extLst>
+              <a:ext uri="{FF2B5EF4-FFF2-40B4-BE49-F238E27FC236}">
+                <a16:creationId xmlns:a16="http://schemas.microsoft.com/office/drawing/2014/main" id="{4D7B8CFB-CB55-4F86-9B3C-77501D20C53B}"/>
+              </a:ext>
+            </a:extLst>
+          </p:cNvPr>
+          <p:cNvSpPr>
+            <a:spLocks noGrp="1"/>
+          </p:cNvSpPr>
+          <p:nvPr>
+            <p:ph idx="1"/>
+          </p:nvPr>
+        </p:nvSpPr>
+        <p:spPr>
+          <a:xfrm>
+            <a:off x="648930" y="2438400"/>
+            <a:ext cx="5127029" cy="3785419"/>
+          </a:xfrm>
+        </p:spPr>
+        <p:txBody>
+          <a:bodyPr>
+            <a:normAutofit/>
+          </a:bodyPr>
+          <a:lstStyle/>
+          <a:p>
+            <a:r>
+              <a:rPr lang="en-US" sz="2400" dirty="0"/>
+              <a:t>Interrupt, ask, question, make your point</a:t>
+            </a:r>
+          </a:p>
+          <a:p>
+            <a:pPr lvl="1"/>
             <a:r>
               <a:rPr lang="en-US" dirty="0"/>
-              <a:t>Command Line thing</a:t>
-            </a:r>
-          </a:p>
-        </p:txBody>
-      </p:sp>
-      <p:sp>
-        <p:nvSpPr>
-          <p:cNvPr id="3" name="Content Placeholder 2">
-            <a:extLst>
-              <a:ext uri="{FF2B5EF4-FFF2-40B4-BE49-F238E27FC236}">
-                <a16:creationId xmlns:a16="http://schemas.microsoft.com/office/drawing/2014/main" id="{D609C661-BAE3-4377-B0B9-497994C8F83F}"/>
-              </a:ext>
-            </a:extLst>
-          </p:cNvPr>
-          <p:cNvSpPr>
-            <a:spLocks noGrp="1"/>
-          </p:cNvSpPr>
-          <p:nvPr>
-            <p:ph idx="1"/>
-          </p:nvPr>
-        </p:nvSpPr>
-        <p:spPr/>
-        <p:txBody>
-          <a:bodyPr/>
-          <a:lstStyle/>
+              <a:t>Just don’t be the annoying one who interrupts an explanation to ask the exam dates. </a:t>
+            </a:r>
+          </a:p>
           <a:p>
             <a:r>
               <a:rPr lang="en-US" dirty="0"/>
-              <a:t>You need to be proficient on using the command line to pass this course;</a:t>
-            </a:r>
-          </a:p>
-          <a:p>
+              <a:t>Feedbacks are always welcome</a:t>
+            </a:r>
+          </a:p>
+          <a:p>
+            <a:pPr lvl="1"/>
             <a:endParaRPr lang="en-US" dirty="0"/>
           </a:p>
           <a:p>
             <a:r>
-              <a:rPr lang="en-US" dirty="0"/>
-              <a:t>Assignments and Exams MUST run on command line to be considered;</a:t>
-            </a:r>
-          </a:p>
-          <a:p>
-            <a:endParaRPr lang="en-US" dirty="0"/>
-          </a:p>
-          <a:p>
-            <a:r>
-              <a:rPr lang="en-US" dirty="0"/>
-              <a:t>Command line is cool and I’ll show you why…</a:t>
-            </a:r>
-          </a:p>
-          <a:p>
-            <a:endParaRPr lang="en-US" dirty="0"/>
-          </a:p>
-          <a:p>
-            <a:endParaRPr lang="en-US" dirty="0"/>
-          </a:p>
-          <a:p>
-            <a:pPr marL="0" indent="0">
-              <a:buNone/>
-            </a:pPr>
-            <a:endParaRPr lang="en-US" dirty="0"/>
-          </a:p>
-          <a:p>
-            <a:endParaRPr lang="en-US" dirty="0"/>
-          </a:p>
-          <a:p>
-            <a:endParaRPr lang="en-US" dirty="0"/>
+              <a:rPr lang="en-US" b="1" dirty="0"/>
+              <a:t>WE ARE ALL HERE TO LEARN	</a:t>
+            </a:r>
           </a:p>
         </p:txBody>
       </p:sp>
       <p:pic>
         <p:nvPicPr>
-          <p:cNvPr id="3076" name="Picture 4" descr="Resultado de imagem para command line icon">
-            <a:extLst>
-              <a:ext uri="{FF2B5EF4-FFF2-40B4-BE49-F238E27FC236}">
-                <a16:creationId xmlns:a16="http://schemas.microsoft.com/office/drawing/2014/main" id="{49A2C531-62FE-4468-BA37-8EA4F7A9C3D9}"/>
-              </a:ext>
-            </a:extLst>
-          </p:cNvPr>
-          <p:cNvPicPr>
-            <a:picLocks noChangeAspect="1" noChangeArrowheads="1"/>
-          </p:cNvPicPr>
-          <p:nvPr/>
-        </p:nvPicPr>
-        <p:blipFill>
-          <a:blip r:embed="rId2">
-            <a:extLst>
-              <a:ext uri="{28A0092B-C50C-407E-A947-70E740481C1C}">
-                <a14:useLocalDpi xmlns:a14="http://schemas.microsoft.com/office/drawing/2010/main" val="0"/>
-              </a:ext>
-            </a:extLst>
-          </a:blip>
-          <a:srcRect/>
-          <a:stretch>
-            <a:fillRect/>
-          </a:stretch>
-        </p:blipFill>
-        <p:spPr bwMode="auto">
-          <a:xfrm>
-            <a:off x="9730587" y="4400166"/>
-            <a:ext cx="1960232" cy="1960232"/>
-          </a:xfrm>
-          <a:prstGeom prst="rect">
-            <a:avLst/>
-          </a:prstGeom>
-          <a:noFill/>
-          <a:extLst>
-            <a:ext uri="{909E8E84-426E-40DD-AFC4-6F175D3DCCD1}">
-              <a14:hiddenFill xmlns:a14="http://schemas.microsoft.com/office/drawing/2010/main">
-                <a:solidFill>
-                  <a:srgbClr val="FFFFFF"/>
-                </a:solidFill>
-              </a14:hiddenFill>
-            </a:ext>
-          </a:extLst>
-        </p:spPr>
-      </p:pic>
-    </p:spTree>
-    <p:extLst>
-      <p:ext uri="{BB962C8B-B14F-4D97-AF65-F5344CB8AC3E}">
-        <p14:creationId xmlns:p14="http://schemas.microsoft.com/office/powerpoint/2010/main" val="1798854207"/>
-      </p:ext>
-    </p:extLst>
-  </p:cSld>
-  <p:clrMapOvr>
-    <a:masterClrMapping/>
-  </p:clrMapOvr>
-</p:sld>
-</file>
-
-<file path=ppt/slides/slide9.xml><?xml version="1.0" encoding="utf-8"?>
-<p:sld xmlns:a="http://schemas.openxmlformats.org/drawingml/2006/main" xmlns:r="http://schemas.openxmlformats.org/officeDocument/2006/relationships" xmlns:p="http://schemas.openxmlformats.org/presentationml/2006/main">
-  <p:cSld>
-    <p:spTree>
-      <p:nvGrpSpPr>
-        <p:cNvPr id="1" name=""/>
-        <p:cNvGrpSpPr/>
-        <p:nvPr/>
-      </p:nvGrpSpPr>
-      <p:grpSpPr>
-        <a:xfrm>
-          <a:off x="0" y="0"/>
-          <a:ext cx="0" cy="0"/>
-          <a:chOff x="0" y="0"/>
-          <a:chExt cx="0" cy="0"/>
-        </a:xfrm>
-      </p:grpSpPr>
-      <p:sp>
-        <p:nvSpPr>
-          <p:cNvPr id="2" name="Title 1">
-            <a:extLst>
-              <a:ext uri="{FF2B5EF4-FFF2-40B4-BE49-F238E27FC236}">
-                <a16:creationId xmlns:a16="http://schemas.microsoft.com/office/drawing/2014/main" id="{D83D853B-1AB5-45EC-9B2F-2661E0519736}"/>
-              </a:ext>
-            </a:extLst>
-          </p:cNvPr>
-          <p:cNvSpPr>
-            <a:spLocks noGrp="1"/>
-          </p:cNvSpPr>
-          <p:nvPr>
-            <p:ph type="title"/>
-          </p:nvPr>
-        </p:nvSpPr>
-        <p:spPr/>
-        <p:txBody>
-          <a:bodyPr/>
-          <a:lstStyle/>
-          <a:p>
-            <a:r>
-              <a:rPr lang="en-US" dirty="0"/>
-              <a:t>Why Command Line?</a:t>
-            </a:r>
-          </a:p>
-        </p:txBody>
-      </p:sp>
-      <p:sp>
-        <p:nvSpPr>
-          <p:cNvPr id="3" name="Content Placeholder 2">
-            <a:extLst>
-              <a:ext uri="{FF2B5EF4-FFF2-40B4-BE49-F238E27FC236}">
-                <a16:creationId xmlns:a16="http://schemas.microsoft.com/office/drawing/2014/main" id="{DFF08D62-DCE3-4463-8675-AEE23E8C0355}"/>
-              </a:ext>
-            </a:extLst>
-          </p:cNvPr>
-          <p:cNvSpPr>
-            <a:spLocks noGrp="1"/>
-          </p:cNvSpPr>
-          <p:nvPr>
-            <p:ph idx="1"/>
-          </p:nvPr>
-        </p:nvSpPr>
-        <p:spPr/>
-        <p:txBody>
-          <a:bodyPr/>
-          <a:lstStyle/>
-          <a:p>
-            <a:r>
-              <a:rPr lang="en-US" dirty="0"/>
-              <a:t>Google Cloud Platform Interaction</a:t>
-            </a:r>
-          </a:p>
-        </p:txBody>
-      </p:sp>
-      <p:pic>
-        <p:nvPicPr>
-          <p:cNvPr id="4" name="Picture 3">
-            <a:extLst>
-              <a:ext uri="{FF2B5EF4-FFF2-40B4-BE49-F238E27FC236}">
-                <a16:creationId xmlns:a16="http://schemas.microsoft.com/office/drawing/2014/main" id="{CA1E6FAD-F34A-4187-BE58-404B91B0D40C}"/>
+          <p:cNvPr id="5" name="Picture 4" descr="A picture containing person, gymnastics, woman, young&#10;&#10;Description automatically generated">
+            <a:extLst>
+              <a:ext uri="{FF2B5EF4-FFF2-40B4-BE49-F238E27FC236}">
+                <a16:creationId xmlns:a16="http://schemas.microsoft.com/office/drawing/2014/main" id="{53371403-6A6E-47AE-86A1-AE1F055156C5}"/>
               </a:ext>
             </a:extLst>
           </p:cNvPr>
@@ -5394,70 +5823,115 @@
           <p:nvPr/>
         </p:nvPicPr>
         <p:blipFill rotWithShape="1">
-          <a:blip r:embed="rId2"/>
-          <a:srcRect b="35058"/>
+          <a:blip r:embed="rId2">
+            <a:extLst>
+              <a:ext uri="{28A0092B-C50C-407E-A947-70E740481C1C}">
+                <a14:useLocalDpi xmlns:a14="http://schemas.microsoft.com/office/drawing/2010/main" val="0"/>
+              </a:ext>
+              <a:ext uri="{837473B0-CC2E-450A-ABE3-18F120FF3D39}">
+                <a1611:picAttrSrcUrl xmlns:a1611="http://schemas.microsoft.com/office/drawing/2016/11/main" r:id="rId3"/>
+              </a:ext>
+            </a:extLst>
+          </a:blip>
+          <a:srcRect l="4774" r="1" b="1"/>
           <a:stretch/>
         </p:blipFill>
         <p:spPr>
           <a:xfrm>
-            <a:off x="2452572" y="2595797"/>
-            <a:ext cx="7286855" cy="2977869"/>
+            <a:off x="6090613" y="640082"/>
+            <a:ext cx="5461724" cy="5577837"/>
           </a:xfrm>
           <a:prstGeom prst="rect">
             <a:avLst/>
           </a:prstGeom>
+          <a:effectLst/>
         </p:spPr>
       </p:pic>
       <p:sp>
         <p:nvSpPr>
-          <p:cNvPr id="5" name="Oval 4">
-            <a:extLst>
-              <a:ext uri="{FF2B5EF4-FFF2-40B4-BE49-F238E27FC236}">
-                <a16:creationId xmlns:a16="http://schemas.microsoft.com/office/drawing/2014/main" id="{A791DEEC-F0C9-4CED-BB11-3F32DED67105}"/>
-              </a:ext>
-            </a:extLst>
-          </p:cNvPr>
-          <p:cNvSpPr/>
+          <p:cNvPr id="6" name="TextBox 5">
+            <a:extLst>
+              <a:ext uri="{FF2B5EF4-FFF2-40B4-BE49-F238E27FC236}">
+                <a16:creationId xmlns:a16="http://schemas.microsoft.com/office/drawing/2014/main" id="{AD840B2A-09D3-4F8F-9B55-C8A3F4938E92}"/>
+              </a:ext>
+            </a:extLst>
+          </p:cNvPr>
+          <p:cNvSpPr txBox="1"/>
           <p:nvPr/>
         </p:nvSpPr>
         <p:spPr>
           <a:xfrm>
-            <a:off x="8284652" y="2324155"/>
-            <a:ext cx="714386" cy="820452"/>
+            <a:off x="9245295" y="6017864"/>
+            <a:ext cx="2307042" cy="200055"/>
           </a:xfrm>
-          <a:prstGeom prst="ellipse">
+          <a:prstGeom prst="rect">
             <a:avLst/>
           </a:prstGeom>
-          <a:noFill/>
-          <a:ln w="76200"/>
+          <a:solidFill>
+            <a:srgbClr val="000000"/>
+          </a:solidFill>
         </p:spPr>
-        <p:style>
-          <a:lnRef idx="2">
-            <a:schemeClr val="dk1"/>
-          </a:lnRef>
-          <a:fillRef idx="1">
-            <a:schemeClr val="lt1"/>
-          </a:fillRef>
-          <a:effectRef idx="0">
-            <a:schemeClr val="dk1"/>
-          </a:effectRef>
-          <a:fontRef idx="minor">
-            <a:schemeClr val="dk1"/>
-          </a:fontRef>
-        </p:style>
-        <p:txBody>
-          <a:bodyPr rtlCol="0" anchor="ctr"/>
-          <a:lstStyle/>
-          <a:p>
-            <a:pPr algn="ctr"/>
-            <a:endParaRPr lang="en-US" dirty="0"/>
+        <p:txBody>
+          <a:bodyPr wrap="none" rtlCol="0">
+            <a:spAutoFit/>
+          </a:bodyPr>
+          <a:lstStyle/>
+          <a:p>
+            <a:pPr algn="r">
+              <a:spcAft>
+                <a:spcPts val="600"/>
+              </a:spcAft>
+            </a:pPr>
+            <a:r>
+              <a:rPr lang="en-US" sz="700">
+                <a:solidFill>
+                  <a:srgbClr val="FFFFFF"/>
+                </a:solidFill>
+                <a:hlinkClick r:id="rId3" tooltip="http://cronkitenewsonline.com/2012/06/rigor-engaged-students-faculty-push-basis-schools-to-top-of-national-rankings/index.html">
+                  <a:extLst>
+                    <a:ext uri="{A12FA001-AC4F-418D-AE19-62706E023703}">
+                      <ahyp:hlinkClr xmlns:ahyp="http://schemas.microsoft.com/office/drawing/2018/hyperlinkcolor" val="tx"/>
+                    </a:ext>
+                  </a:extLst>
+                </a:hlinkClick>
+              </a:rPr>
+              <a:t>This Photo</a:t>
+            </a:r>
+            <a:r>
+              <a:rPr lang="en-US" sz="700">
+                <a:solidFill>
+                  <a:srgbClr val="FFFFFF"/>
+                </a:solidFill>
+              </a:rPr>
+              <a:t> by Unknown Author is licensed under </a:t>
+            </a:r>
+            <a:r>
+              <a:rPr lang="en-US" sz="700">
+                <a:solidFill>
+                  <a:srgbClr val="FFFFFF"/>
+                </a:solidFill>
+                <a:hlinkClick r:id="rId4" tooltip="https://creativecommons.org/licenses/by-sa/3.0/">
+                  <a:extLst>
+                    <a:ext uri="{A12FA001-AC4F-418D-AE19-62706E023703}">
+                      <ahyp:hlinkClr xmlns:ahyp="http://schemas.microsoft.com/office/drawing/2018/hyperlinkcolor" val="tx"/>
+                    </a:ext>
+                  </a:extLst>
+                </a:hlinkClick>
+              </a:rPr>
+              <a:t>CC BY-SA</a:t>
+            </a:r>
+            <a:endParaRPr lang="en-US" sz="700">
+              <a:solidFill>
+                <a:srgbClr val="FFFFFF"/>
+              </a:solidFill>
+            </a:endParaRPr>
           </a:p>
         </p:txBody>
       </p:sp>
     </p:spTree>
     <p:extLst>
       <p:ext uri="{BB962C8B-B14F-4D97-AF65-F5344CB8AC3E}">
-        <p14:creationId xmlns:p14="http://schemas.microsoft.com/office/powerpoint/2010/main" val="2273067162"/>
+        <p14:creationId xmlns:p14="http://schemas.microsoft.com/office/powerpoint/2010/main" val="20797054"/>
       </p:ext>
     </p:extLst>
   </p:cSld>
